--- a/slides/quick_prod_results.pptx
+++ b/slides/quick_prod_results.pptx
@@ -5,10 +5,12 @@
     <p:sldMasterId id="2147483648" r:id="rId1"/>
   </p:sldMasterIdLst>
   <p:sldIdLst>
-    <p:sldId id="256" r:id="rId2"/>
-    <p:sldId id="257" r:id="rId3"/>
-    <p:sldId id="258" r:id="rId4"/>
-    <p:sldId id="259" r:id="rId5"/>
+    <p:sldId id="271" r:id="rId2"/>
+    <p:sldId id="256" r:id="rId3"/>
+    <p:sldId id="257" r:id="rId4"/>
+    <p:sldId id="258" r:id="rId5"/>
+    <p:sldId id="259" r:id="rId6"/>
+    <p:sldId id="270" r:id="rId7"/>
   </p:sldIdLst>
   <p:sldSz cx="12192000" cy="6858000"/>
   <p:notesSz cx="6858000" cy="9144000"/>
@@ -107,6 +109,11 @@
       </a:defRPr>
     </a:lvl9pPr>
   </p:defaultTextStyle>
+  <p:extLst>
+    <p:ext uri="{EFAFB233-063F-42B5-8137-9DF3F51BA10A}">
+      <p15:sldGuideLst xmlns:p15="http://schemas.microsoft.com/office/powerpoint/2012/main"/>
+    </p:ext>
+  </p:extLst>
 </p:presentation>
 </file>
 
@@ -3329,6 +3336,97 @@
           <a:chExt cx="0" cy="0"/>
         </a:xfrm>
       </p:grpSpPr>
+      <p:sp>
+        <p:nvSpPr>
+          <p:cNvPr id="2" name="Title 1">
+            <a:extLst>
+              <a:ext uri="{FF2B5EF4-FFF2-40B4-BE49-F238E27FC236}">
+                <a16:creationId xmlns:a16="http://schemas.microsoft.com/office/drawing/2014/main" id="{798E4212-87DA-1446-A0B8-C231244CE5DB}"/>
+              </a:ext>
+            </a:extLst>
+          </p:cNvPr>
+          <p:cNvSpPr>
+            <a:spLocks noGrp="1"/>
+          </p:cNvSpPr>
+          <p:nvPr>
+            <p:ph type="ctrTitle"/>
+          </p:nvPr>
+        </p:nvSpPr>
+        <p:spPr/>
+        <p:txBody>
+          <a:bodyPr/>
+          <a:lstStyle/>
+          <a:p>
+            <a:r>
+              <a:rPr lang="en-US" i="1" dirty="0"/>
+              <a:t>Science </a:t>
+            </a:r>
+            <a:r>
+              <a:rPr lang="en-US" dirty="0"/>
+              <a:t>update</a:t>
+            </a:r>
+            <a:endParaRPr lang="en-US" i="1" dirty="0"/>
+          </a:p>
+        </p:txBody>
+      </p:sp>
+      <p:sp>
+        <p:nvSpPr>
+          <p:cNvPr id="3" name="Subtitle 2">
+            <a:extLst>
+              <a:ext uri="{FF2B5EF4-FFF2-40B4-BE49-F238E27FC236}">
+                <a16:creationId xmlns:a16="http://schemas.microsoft.com/office/drawing/2014/main" id="{24527D0D-9359-594A-9C42-D51D4D0562B4}"/>
+              </a:ext>
+            </a:extLst>
+          </p:cNvPr>
+          <p:cNvSpPr>
+            <a:spLocks noGrp="1"/>
+          </p:cNvSpPr>
+          <p:nvPr>
+            <p:ph type="subTitle" idx="1"/>
+          </p:nvPr>
+        </p:nvSpPr>
+        <p:spPr/>
+        <p:txBody>
+          <a:bodyPr/>
+          <a:lstStyle/>
+          <a:p>
+            <a:r>
+              <a:rPr lang="en-US" dirty="0"/>
+              <a:t>23 August, 2021</a:t>
+            </a:r>
+          </a:p>
+        </p:txBody>
+      </p:sp>
+    </p:spTree>
+    <p:extLst>
+      <p:ext uri="{BB962C8B-B14F-4D97-AF65-F5344CB8AC3E}">
+        <p14:creationId xmlns:p14="http://schemas.microsoft.com/office/powerpoint/2010/main" val="2591953323"/>
+      </p:ext>
+    </p:extLst>
+  </p:cSld>
+  <p:clrMapOvr>
+    <a:masterClrMapping/>
+  </p:clrMapOvr>
+</p:sld>
+</file>
+
+<file path=ppt/slides/slide2.xml><?xml version="1.0" encoding="utf-8"?>
+<p:sld xmlns:a="http://schemas.openxmlformats.org/drawingml/2006/main" xmlns:r="http://schemas.openxmlformats.org/officeDocument/2006/relationships" xmlns:p="http://schemas.openxmlformats.org/presentationml/2006/main">
+  <p:cSld>
+    <p:spTree>
+      <p:nvGrpSpPr>
+        <p:cNvPr id="1" name=""/>
+        <p:cNvGrpSpPr/>
+        <p:nvPr/>
+      </p:nvGrpSpPr>
+      <p:grpSpPr>
+        <a:xfrm>
+          <a:off x="0" y="0"/>
+          <a:ext cx="0" cy="0"/>
+          <a:chOff x="0" y="0"/>
+          <a:chExt cx="0" cy="0"/>
+        </a:xfrm>
+      </p:grpSpPr>
       <p:pic>
         <p:nvPicPr>
           <p:cNvPr id="5" name="Picture 4">
@@ -3490,7 +3588,7 @@
 </p:sld>
 </file>
 
-<file path=ppt/slides/slide2.xml><?xml version="1.0" encoding="utf-8"?>
+<file path=ppt/slides/slide3.xml><?xml version="1.0" encoding="utf-8"?>
 <p:sld xmlns:a="http://schemas.openxmlformats.org/drawingml/2006/main" xmlns:r="http://schemas.openxmlformats.org/officeDocument/2006/relationships" xmlns:p="http://schemas.openxmlformats.org/presentationml/2006/main">
   <p:cSld>
     <p:spTree>
@@ -3668,7 +3766,7 @@
 </p:sld>
 </file>
 
-<file path=ppt/slides/slide3.xml><?xml version="1.0" encoding="utf-8"?>
+<file path=ppt/slides/slide4.xml><?xml version="1.0" encoding="utf-8"?>
 <p:sld xmlns:a="http://schemas.openxmlformats.org/drawingml/2006/main" xmlns:r="http://schemas.openxmlformats.org/officeDocument/2006/relationships" xmlns:p="http://schemas.openxmlformats.org/presentationml/2006/main">
   <p:cSld>
     <p:spTree>
@@ -3846,7 +3944,7 @@
 </p:sld>
 </file>
 
-<file path=ppt/slides/slide4.xml><?xml version="1.0" encoding="utf-8"?>
+<file path=ppt/slides/slide5.xml><?xml version="1.0" encoding="utf-8"?>
 <p:sld xmlns:a="http://schemas.openxmlformats.org/drawingml/2006/main" xmlns:r="http://schemas.openxmlformats.org/officeDocument/2006/relationships" xmlns:p="http://schemas.openxmlformats.org/presentationml/2006/main">
   <p:cSld>
     <p:spTree>
@@ -4053,6 +4151,804 @@
     <p:extLst>
       <p:ext uri="{BB962C8B-B14F-4D97-AF65-F5344CB8AC3E}">
         <p14:creationId xmlns:p14="http://schemas.microsoft.com/office/powerpoint/2010/main" val="1617604619"/>
+      </p:ext>
+    </p:extLst>
+  </p:cSld>
+  <p:clrMapOvr>
+    <a:masterClrMapping/>
+  </p:clrMapOvr>
+</p:sld>
+</file>
+
+<file path=ppt/slides/slide6.xml><?xml version="1.0" encoding="utf-8"?>
+<p:sld xmlns:a="http://schemas.openxmlformats.org/drawingml/2006/main" xmlns:r="http://schemas.openxmlformats.org/officeDocument/2006/relationships" xmlns:p="http://schemas.openxmlformats.org/presentationml/2006/main">
+  <p:cSld>
+    <p:spTree>
+      <p:nvGrpSpPr>
+        <p:cNvPr id="1" name=""/>
+        <p:cNvGrpSpPr/>
+        <p:nvPr/>
+      </p:nvGrpSpPr>
+      <p:grpSpPr>
+        <a:xfrm>
+          <a:off x="0" y="0"/>
+          <a:ext cx="0" cy="0"/>
+          <a:chOff x="0" y="0"/>
+          <a:chExt cx="0" cy="0"/>
+        </a:xfrm>
+      </p:grpSpPr>
+      <p:graphicFrame>
+        <p:nvGraphicFramePr>
+          <p:cNvPr id="2" name="Table 2">
+            <a:extLst>
+              <a:ext uri="{FF2B5EF4-FFF2-40B4-BE49-F238E27FC236}">
+                <a16:creationId xmlns:a16="http://schemas.microsoft.com/office/drawing/2014/main" id="{E191DD22-9CF3-B34C-99E8-4DCBFB347489}"/>
+              </a:ext>
+            </a:extLst>
+          </p:cNvPr>
+          <p:cNvGraphicFramePr>
+            <a:graphicFrameLocks noGrp="1"/>
+          </p:cNvGraphicFramePr>
+          <p:nvPr/>
+        </p:nvGraphicFramePr>
+        <p:xfrm>
+          <a:off x="322521" y="1821357"/>
+          <a:ext cx="11546957" cy="3840480"/>
+        </p:xfrm>
+        <a:graphic>
+          <a:graphicData uri="http://schemas.openxmlformats.org/drawingml/2006/table">
+            <a:tbl>
+              <a:tblPr firstRow="1" bandRow="1">
+                <a:tableStyleId>{2D5ABB26-0587-4C30-8999-92F81FD0307C}</a:tableStyleId>
+              </a:tblPr>
+              <a:tblGrid>
+                <a:gridCol w="4295553">
+                  <a:extLst>
+                    <a:ext uri="{9D8B030D-6E8A-4147-A177-3AD203B41FA5}">
+                      <a16:colId xmlns:a16="http://schemas.microsoft.com/office/drawing/2014/main" val="1869226356"/>
+                    </a:ext>
+                  </a:extLst>
+                </a:gridCol>
+                <a:gridCol w="1812851">
+                  <a:extLst>
+                    <a:ext uri="{9D8B030D-6E8A-4147-A177-3AD203B41FA5}">
+                      <a16:colId xmlns:a16="http://schemas.microsoft.com/office/drawing/2014/main" val="2726521997"/>
+                    </a:ext>
+                  </a:extLst>
+                </a:gridCol>
+                <a:gridCol w="1812851">
+                  <a:extLst>
+                    <a:ext uri="{9D8B030D-6E8A-4147-A177-3AD203B41FA5}">
+                      <a16:colId xmlns:a16="http://schemas.microsoft.com/office/drawing/2014/main" val="830396730"/>
+                    </a:ext>
+                  </a:extLst>
+                </a:gridCol>
+                <a:gridCol w="1812851">
+                  <a:extLst>
+                    <a:ext uri="{9D8B030D-6E8A-4147-A177-3AD203B41FA5}">
+                      <a16:colId xmlns:a16="http://schemas.microsoft.com/office/drawing/2014/main" val="1267069707"/>
+                    </a:ext>
+                  </a:extLst>
+                </a:gridCol>
+                <a:gridCol w="1812851">
+                  <a:extLst>
+                    <a:ext uri="{9D8B030D-6E8A-4147-A177-3AD203B41FA5}">
+                      <a16:colId xmlns:a16="http://schemas.microsoft.com/office/drawing/2014/main" val="592004375"/>
+                    </a:ext>
+                  </a:extLst>
+                </a:gridCol>
+              </a:tblGrid>
+              <a:tr h="370840">
+                <a:tc>
+                  <a:txBody>
+                    <a:bodyPr/>
+                    <a:lstStyle/>
+                    <a:p>
+                      <a:endParaRPr lang="en-US" sz="3600">
+                        <a:latin typeface="Lato" panose="020F0502020204030203" pitchFamily="34" charset="77"/>
+                      </a:endParaRPr>
+                    </a:p>
+                  </a:txBody>
+                  <a:tcPr/>
+                </a:tc>
+                <a:tc>
+                  <a:txBody>
+                    <a:bodyPr/>
+                    <a:lstStyle/>
+                    <a:p>
+                      <a:pPr algn="ctr"/>
+                      <a:r>
+                        <a:rPr lang="en-US" sz="3600" b="1" dirty="0">
+                          <a:latin typeface="Lato" panose="020F0502020204030203" pitchFamily="34" charset="77"/>
+                        </a:rPr>
+                        <a:t>Data</a:t>
+                      </a:r>
+                    </a:p>
+                  </a:txBody>
+                  <a:tcPr>
+                    <a:lnB w="12700" cap="flat" cmpd="sng" algn="ctr">
+                      <a:solidFill>
+                        <a:schemeClr val="tx1"/>
+                      </a:solidFill>
+                      <a:prstDash val="solid"/>
+                      <a:round/>
+                      <a:headEnd type="none" w="med" len="med"/>
+                      <a:tailEnd type="none" w="med" len="med"/>
+                    </a:lnB>
+                  </a:tcPr>
+                </a:tc>
+                <a:tc>
+                  <a:txBody>
+                    <a:bodyPr/>
+                    <a:lstStyle/>
+                    <a:p>
+                      <a:pPr algn="ctr"/>
+                      <a:r>
+                        <a:rPr lang="en-US" sz="3600" b="1" dirty="0">
+                          <a:latin typeface="Lato" panose="020F0502020204030203" pitchFamily="34" charset="77"/>
+                        </a:rPr>
+                        <a:t>Pi</a:t>
+                      </a:r>
+                    </a:p>
+                  </a:txBody>
+                  <a:tcPr>
+                    <a:lnB w="12700" cap="flat" cmpd="sng" algn="ctr">
+                      <a:solidFill>
+                        <a:schemeClr val="tx1"/>
+                      </a:solidFill>
+                      <a:prstDash val="solid"/>
+                      <a:round/>
+                      <a:headEnd type="none" w="med" len="med"/>
+                      <a:tailEnd type="none" w="med" len="med"/>
+                    </a:lnB>
+                  </a:tcPr>
+                </a:tc>
+                <a:tc>
+                  <a:txBody>
+                    <a:bodyPr/>
+                    <a:lstStyle/>
+                    <a:p>
+                      <a:pPr algn="ctr"/>
+                      <a:r>
+                        <a:rPr lang="en-US" sz="3600" b="1" dirty="0">
+                          <a:latin typeface="Lato" panose="020F0502020204030203" pitchFamily="34" charset="77"/>
+                        </a:rPr>
+                        <a:t>Test</a:t>
+                      </a:r>
+                    </a:p>
+                  </a:txBody>
+                  <a:tcPr>
+                    <a:lnB w="12700" cap="flat" cmpd="sng" algn="ctr">
+                      <a:solidFill>
+                        <a:schemeClr val="tx1"/>
+                      </a:solidFill>
+                      <a:prstDash val="solid"/>
+                      <a:round/>
+                      <a:headEnd type="none" w="med" len="med"/>
+                      <a:tailEnd type="none" w="med" len="med"/>
+                    </a:lnB>
+                  </a:tcPr>
+                </a:tc>
+                <a:tc>
+                  <a:txBody>
+                    <a:bodyPr/>
+                    <a:lstStyle/>
+                    <a:p>
+                      <a:pPr algn="ctr"/>
+                      <a:r>
+                        <a:rPr lang="en-US" sz="3600" b="1" dirty="0">
+                          <a:latin typeface="Lato" panose="020F0502020204030203" pitchFamily="34" charset="77"/>
+                        </a:rPr>
+                        <a:t>Prod</a:t>
+                      </a:r>
+                    </a:p>
+                  </a:txBody>
+                  <a:tcPr>
+                    <a:lnB w="12700" cap="flat" cmpd="sng" algn="ctr">
+                      <a:solidFill>
+                        <a:schemeClr val="tx1"/>
+                      </a:solidFill>
+                      <a:prstDash val="solid"/>
+                      <a:round/>
+                      <a:headEnd type="none" w="med" len="med"/>
+                      <a:tailEnd type="none" w="med" len="med"/>
+                    </a:lnB>
+                  </a:tcPr>
+                </a:tc>
+                <a:extLst>
+                  <a:ext uri="{0D108BD9-81ED-4DB2-BD59-A6C34878D82A}">
+                    <a16:rowId xmlns:a16="http://schemas.microsoft.com/office/drawing/2014/main" val="3781339037"/>
+                  </a:ext>
+                </a:extLst>
+              </a:tr>
+              <a:tr h="370840">
+                <a:tc>
+                  <a:txBody>
+                    <a:bodyPr/>
+                    <a:lstStyle/>
+                    <a:p>
+                      <a:r>
+                        <a:rPr lang="en-US" sz="3600" b="1" dirty="0">
+                          <a:latin typeface="Lato" panose="020F0502020204030203" pitchFamily="34" charset="77"/>
+                        </a:rPr>
+                        <a:t>Early lockdown</a:t>
+                      </a:r>
+                    </a:p>
+                  </a:txBody>
+                  <a:tcPr anchor="ctr"/>
+                </a:tc>
+                <a:tc>
+                  <a:txBody>
+                    <a:bodyPr/>
+                    <a:lstStyle/>
+                    <a:p>
+                      <a:pPr algn="ctr"/>
+                      <a:r>
+                        <a:rPr kumimoji="0" lang="en-US" sz="3600" b="0" i="0" u="none" strike="noStrike" kern="1200" cap="none" spc="0" normalizeH="0" baseline="0" noProof="0">
+                          <a:ln>
+                            <a:noFill/>
+                          </a:ln>
+                          <a:solidFill>
+                            <a:prstClr val="black"/>
+                          </a:solidFill>
+                          <a:effectLst/>
+                          <a:uLnTx/>
+                          <a:uFillTx/>
+                          <a:latin typeface="Lato" panose="020F0502020204030203" pitchFamily="34" charset="77"/>
+                          <a:ea typeface="+mn-ea"/>
+                          <a:cs typeface="+mn-cs"/>
+                        </a:rPr>
+                        <a:t>🟢</a:t>
+                      </a:r>
+                      <a:endParaRPr lang="en-US" sz="3600" dirty="0">
+                        <a:latin typeface="Lato" panose="020F0502020204030203" pitchFamily="34" charset="77"/>
+                      </a:endParaRPr>
+                    </a:p>
+                  </a:txBody>
+                  <a:tcPr anchor="ctr">
+                    <a:lnT w="12700" cap="flat" cmpd="sng" algn="ctr">
+                      <a:solidFill>
+                        <a:schemeClr val="tx1"/>
+                      </a:solidFill>
+                      <a:prstDash val="solid"/>
+                      <a:round/>
+                      <a:headEnd type="none" w="med" len="med"/>
+                      <a:tailEnd type="none" w="med" len="med"/>
+                    </a:lnT>
+                  </a:tcPr>
+                </a:tc>
+                <a:tc>
+                  <a:txBody>
+                    <a:bodyPr/>
+                    <a:lstStyle/>
+                    <a:p>
+                      <a:pPr algn="ctr"/>
+                      <a:r>
+                        <a:rPr lang="en-US" sz="3600" dirty="0">
+                          <a:latin typeface="Lato" panose="020F0502020204030203" pitchFamily="34" charset="77"/>
+                        </a:rPr>
+                        <a:t>🟢🟢</a:t>
+                      </a:r>
+                    </a:p>
+                  </a:txBody>
+                  <a:tcPr anchor="ctr">
+                    <a:lnT w="12700" cap="flat" cmpd="sng" algn="ctr">
+                      <a:solidFill>
+                        <a:schemeClr val="tx1"/>
+                      </a:solidFill>
+                      <a:prstDash val="solid"/>
+                      <a:round/>
+                      <a:headEnd type="none" w="med" len="med"/>
+                      <a:tailEnd type="none" w="med" len="med"/>
+                    </a:lnT>
+                  </a:tcPr>
+                </a:tc>
+                <a:tc>
+                  <a:txBody>
+                    <a:bodyPr/>
+                    <a:lstStyle/>
+                    <a:p>
+                      <a:pPr algn="ctr"/>
+                      <a:r>
+                        <a:rPr lang="en-US" sz="3600" dirty="0">
+                          <a:latin typeface="Lato" panose="020F0502020204030203" pitchFamily="34" charset="77"/>
+                        </a:rPr>
+                        <a:t>🟢🟢</a:t>
+                      </a:r>
+                    </a:p>
+                  </a:txBody>
+                  <a:tcPr anchor="ctr">
+                    <a:lnT w="12700" cap="flat" cmpd="sng" algn="ctr">
+                      <a:solidFill>
+                        <a:schemeClr val="tx1"/>
+                      </a:solidFill>
+                      <a:prstDash val="solid"/>
+                      <a:round/>
+                      <a:headEnd type="none" w="med" len="med"/>
+                      <a:tailEnd type="none" w="med" len="med"/>
+                    </a:lnT>
+                  </a:tcPr>
+                </a:tc>
+                <a:tc>
+                  <a:txBody>
+                    <a:bodyPr/>
+                    <a:lstStyle/>
+                    <a:p>
+                      <a:pPr algn="ctr"/>
+                      <a:r>
+                        <a:rPr lang="en-US" sz="3600" dirty="0">
+                          <a:latin typeface="Lato" panose="020F0502020204030203" pitchFamily="34" charset="77"/>
+                        </a:rPr>
+                        <a:t>🟢🟢</a:t>
+                      </a:r>
+                    </a:p>
+                  </a:txBody>
+                  <a:tcPr anchor="ctr">
+                    <a:lnT w="12700" cap="flat" cmpd="sng" algn="ctr">
+                      <a:solidFill>
+                        <a:schemeClr val="tx1"/>
+                      </a:solidFill>
+                      <a:prstDash val="solid"/>
+                      <a:round/>
+                      <a:headEnd type="none" w="med" len="med"/>
+                      <a:tailEnd type="none" w="med" len="med"/>
+                    </a:lnT>
+                  </a:tcPr>
+                </a:tc>
+                <a:extLst>
+                  <a:ext uri="{0D108BD9-81ED-4DB2-BD59-A6C34878D82A}">
+                    <a16:rowId xmlns:a16="http://schemas.microsoft.com/office/drawing/2014/main" val="479657691"/>
+                  </a:ext>
+                </a:extLst>
+              </a:tr>
+              <a:tr h="370840">
+                <a:tc>
+                  <a:txBody>
+                    <a:bodyPr/>
+                    <a:lstStyle/>
+                    <a:p>
+                      <a:r>
+                        <a:rPr lang="en-US" sz="3600" b="1" dirty="0">
+                          <a:latin typeface="Lato" panose="020F0502020204030203" pitchFamily="34" charset="77"/>
+                        </a:rPr>
+                        <a:t>Early intervention</a:t>
+                      </a:r>
+                    </a:p>
+                  </a:txBody>
+                  <a:tcPr anchor="ctr"/>
+                </a:tc>
+                <a:tc>
+                  <a:txBody>
+                    <a:bodyPr/>
+                    <a:lstStyle/>
+                    <a:p>
+                      <a:pPr algn="ctr"/>
+                      <a:r>
+                        <a:rPr kumimoji="0" lang="en-US" sz="3600" b="0" i="0" u="none" strike="noStrike" kern="1200" cap="none" spc="0" normalizeH="0" baseline="0" noProof="0" dirty="0">
+                          <a:ln>
+                            <a:noFill/>
+                          </a:ln>
+                          <a:solidFill>
+                            <a:prstClr val="black"/>
+                          </a:solidFill>
+                          <a:effectLst/>
+                          <a:uLnTx/>
+                          <a:uFillTx/>
+                          <a:latin typeface="Lato" panose="020F0502020204030203" pitchFamily="34" charset="77"/>
+                          <a:ea typeface="+mn-ea"/>
+                          <a:cs typeface="+mn-cs"/>
+                        </a:rPr>
+                        <a:t>🟢</a:t>
+                      </a:r>
+                      <a:endParaRPr lang="en-US" sz="3600" dirty="0">
+                        <a:latin typeface="Lato" panose="020F0502020204030203" pitchFamily="34" charset="77"/>
+                      </a:endParaRPr>
+                    </a:p>
+                  </a:txBody>
+                  <a:tcPr anchor="ctr"/>
+                </a:tc>
+                <a:tc>
+                  <a:txBody>
+                    <a:bodyPr/>
+                    <a:lstStyle/>
+                    <a:p>
+                      <a:pPr algn="ctr"/>
+                      <a:r>
+                        <a:rPr lang="en-US" sz="3600" dirty="0">
+                          <a:latin typeface="Lato" panose="020F0502020204030203" pitchFamily="34" charset="77"/>
+                        </a:rPr>
+                        <a:t>🟢</a:t>
+                      </a:r>
+                    </a:p>
+                  </a:txBody>
+                  <a:tcPr anchor="ctr"/>
+                </a:tc>
+                <a:tc>
+                  <a:txBody>
+                    <a:bodyPr/>
+                    <a:lstStyle/>
+                    <a:p>
+                      <a:pPr algn="ctr"/>
+                      <a:r>
+                        <a:rPr lang="en-US" sz="3600" dirty="0">
+                          <a:latin typeface="Lato" panose="020F0502020204030203" pitchFamily="34" charset="77"/>
+                        </a:rPr>
+                        <a:t>🟢</a:t>
+                      </a:r>
+                    </a:p>
+                  </a:txBody>
+                  <a:tcPr anchor="ctr"/>
+                </a:tc>
+                <a:tc>
+                  <a:txBody>
+                    <a:bodyPr/>
+                    <a:lstStyle/>
+                    <a:p>
+                      <a:pPr marL="0" marR="0" lvl="0" indent="0" algn="ctr" defTabSz="914400" rtl="0" eaLnBrk="1" fontAlgn="auto" latinLnBrk="0" hangingPunct="1">
+                        <a:lnSpc>
+                          <a:spcPct val="100000"/>
+                        </a:lnSpc>
+                        <a:spcBef>
+                          <a:spcPts val="0"/>
+                        </a:spcBef>
+                        <a:spcAft>
+                          <a:spcPts val="0"/>
+                        </a:spcAft>
+                        <a:buClrTx/>
+                        <a:buSzTx/>
+                        <a:buFontTx/>
+                        <a:buNone/>
+                        <a:tabLst/>
+                        <a:defRPr/>
+                      </a:pPr>
+                      <a:r>
+                        <a:rPr lang="en-US" sz="3600" dirty="0">
+                          <a:latin typeface="Lato" panose="020F0502020204030203" pitchFamily="34" charset="77"/>
+                        </a:rPr>
+                        <a:t>🟢</a:t>
+                      </a:r>
+                    </a:p>
+                  </a:txBody>
+                  <a:tcPr anchor="ctr"/>
+                </a:tc>
+                <a:extLst>
+                  <a:ext uri="{0D108BD9-81ED-4DB2-BD59-A6C34878D82A}">
+                    <a16:rowId xmlns:a16="http://schemas.microsoft.com/office/drawing/2014/main" val="3956078848"/>
+                  </a:ext>
+                </a:extLst>
+              </a:tr>
+              <a:tr h="370840">
+                <a:tc>
+                  <a:txBody>
+                    <a:bodyPr/>
+                    <a:lstStyle/>
+                    <a:p>
+                      <a:r>
+                        <a:rPr lang="en-US" sz="3600" b="1" dirty="0">
+                          <a:latin typeface="Lato" panose="020F0502020204030203" pitchFamily="34" charset="77"/>
+                        </a:rPr>
+                        <a:t>Length of lockdown</a:t>
+                      </a:r>
+                    </a:p>
+                  </a:txBody>
+                  <a:tcPr anchor="ctr"/>
+                </a:tc>
+                <a:tc>
+                  <a:txBody>
+                    <a:bodyPr/>
+                    <a:lstStyle/>
+                    <a:p>
+                      <a:pPr algn="ctr"/>
+                      <a:endParaRPr lang="en-US" sz="3600" dirty="0">
+                        <a:latin typeface="Lato" panose="020F0502020204030203" pitchFamily="34" charset="77"/>
+                      </a:endParaRPr>
+                    </a:p>
+                  </a:txBody>
+                  <a:tcPr anchor="ctr"/>
+                </a:tc>
+                <a:tc>
+                  <a:txBody>
+                    <a:bodyPr/>
+                    <a:lstStyle/>
+                    <a:p>
+                      <a:pPr algn="ctr"/>
+                      <a:endParaRPr lang="en-US" sz="3600" dirty="0">
+                        <a:latin typeface="Lato" panose="020F0502020204030203" pitchFamily="34" charset="77"/>
+                      </a:endParaRPr>
+                    </a:p>
+                  </a:txBody>
+                  <a:tcPr anchor="ctr"/>
+                </a:tc>
+                <a:tc>
+                  <a:txBody>
+                    <a:bodyPr/>
+                    <a:lstStyle/>
+                    <a:p>
+                      <a:pPr algn="ctr"/>
+                      <a:endParaRPr lang="en-US" sz="3600" dirty="0">
+                        <a:latin typeface="Lato" panose="020F0502020204030203" pitchFamily="34" charset="77"/>
+                      </a:endParaRPr>
+                    </a:p>
+                  </a:txBody>
+                  <a:tcPr anchor="ctr"/>
+                </a:tc>
+                <a:tc>
+                  <a:txBody>
+                    <a:bodyPr/>
+                    <a:lstStyle/>
+                    <a:p>
+                      <a:pPr marL="0" marR="0" lvl="0" indent="0" algn="ctr" defTabSz="914400" rtl="0" eaLnBrk="1" fontAlgn="auto" latinLnBrk="0" hangingPunct="1">
+                        <a:lnSpc>
+                          <a:spcPct val="100000"/>
+                        </a:lnSpc>
+                        <a:spcBef>
+                          <a:spcPts val="0"/>
+                        </a:spcBef>
+                        <a:spcAft>
+                          <a:spcPts val="0"/>
+                        </a:spcAft>
+                        <a:buClrTx/>
+                        <a:buSzTx/>
+                        <a:buFontTx/>
+                        <a:buNone/>
+                        <a:tabLst/>
+                        <a:defRPr/>
+                      </a:pPr>
+                      <a:endParaRPr lang="en-US" sz="3600" dirty="0">
+                        <a:latin typeface="Lato" panose="020F0502020204030203" pitchFamily="34" charset="77"/>
+                      </a:endParaRPr>
+                    </a:p>
+                  </a:txBody>
+                  <a:tcPr anchor="ctr"/>
+                </a:tc>
+                <a:extLst>
+                  <a:ext uri="{0D108BD9-81ED-4DB2-BD59-A6C34878D82A}">
+                    <a16:rowId xmlns:a16="http://schemas.microsoft.com/office/drawing/2014/main" val="3114591712"/>
+                  </a:ext>
+                </a:extLst>
+              </a:tr>
+              <a:tr h="370840">
+                <a:tc>
+                  <a:txBody>
+                    <a:bodyPr/>
+                    <a:lstStyle/>
+                    <a:p>
+                      <a:pPr lvl="1"/>
+                      <a:r>
+                        <a:rPr lang="en-US" sz="3600" b="0" dirty="0">
+                          <a:latin typeface="Lato" panose="020F0502020204030203" pitchFamily="34" charset="77"/>
+                        </a:rPr>
+                        <a:t>March 15</a:t>
+                      </a:r>
+                    </a:p>
+                  </a:txBody>
+                  <a:tcPr anchor="ctr"/>
+                </a:tc>
+                <a:tc>
+                  <a:txBody>
+                    <a:bodyPr/>
+                    <a:lstStyle/>
+                    <a:p>
+                      <a:pPr algn="ctr"/>
+                      <a:r>
+                        <a:rPr kumimoji="0" lang="en-US" sz="3600" b="0" i="0" u="none" strike="noStrike" kern="1200" cap="none" spc="0" normalizeH="0" baseline="0" noProof="0" dirty="0">
+                          <a:ln>
+                            <a:noFill/>
+                          </a:ln>
+                          <a:solidFill>
+                            <a:prstClr val="black"/>
+                          </a:solidFill>
+                          <a:effectLst/>
+                          <a:uLnTx/>
+                          <a:uFillTx/>
+                          <a:latin typeface="Lato" panose="020F0502020204030203" pitchFamily="34" charset="77"/>
+                          <a:ea typeface="+mn-ea"/>
+                          <a:cs typeface="+mn-cs"/>
+                        </a:rPr>
+                        <a:t>🟢</a:t>
+                      </a:r>
+                      <a:endParaRPr lang="en-US" sz="3600" dirty="0">
+                        <a:latin typeface="Lato" panose="020F0502020204030203" pitchFamily="34" charset="77"/>
+                      </a:endParaRPr>
+                    </a:p>
+                  </a:txBody>
+                  <a:tcPr anchor="ctr"/>
+                </a:tc>
+                <a:tc>
+                  <a:txBody>
+                    <a:bodyPr/>
+                    <a:lstStyle/>
+                    <a:p>
+                      <a:pPr algn="ctr"/>
+                      <a:r>
+                        <a:rPr lang="en-US" sz="3600" dirty="0">
+                          <a:latin typeface="Lato" panose="020F0502020204030203" pitchFamily="34" charset="77"/>
+                        </a:rPr>
+                        <a:t>🟢</a:t>
+                      </a:r>
+                    </a:p>
+                  </a:txBody>
+                  <a:tcPr anchor="ctr"/>
+                </a:tc>
+                <a:tc>
+                  <a:txBody>
+                    <a:bodyPr/>
+                    <a:lstStyle/>
+                    <a:p>
+                      <a:pPr algn="ctr"/>
+                      <a:r>
+                        <a:rPr lang="en-US" sz="3600" dirty="0">
+                          <a:latin typeface="Lato" panose="020F0502020204030203" pitchFamily="34" charset="77"/>
+                        </a:rPr>
+                        <a:t>🟢</a:t>
+                      </a:r>
+                    </a:p>
+                  </a:txBody>
+                  <a:tcPr anchor="ctr"/>
+                </a:tc>
+                <a:tc>
+                  <a:txBody>
+                    <a:bodyPr/>
+                    <a:lstStyle/>
+                    <a:p>
+                      <a:pPr marL="0" marR="0" lvl="0" indent="0" algn="ctr" defTabSz="914400" rtl="0" eaLnBrk="1" fontAlgn="auto" latinLnBrk="0" hangingPunct="1">
+                        <a:lnSpc>
+                          <a:spcPct val="100000"/>
+                        </a:lnSpc>
+                        <a:spcBef>
+                          <a:spcPts val="0"/>
+                        </a:spcBef>
+                        <a:spcAft>
+                          <a:spcPts val="0"/>
+                        </a:spcAft>
+                        <a:buClrTx/>
+                        <a:buSzTx/>
+                        <a:buFontTx/>
+                        <a:buNone/>
+                        <a:tabLst/>
+                        <a:defRPr/>
+                      </a:pPr>
+                      <a:r>
+                        <a:rPr lang="en-US" sz="3600" dirty="0">
+                          <a:latin typeface="Lato" panose="020F0502020204030203" pitchFamily="34" charset="77"/>
+                        </a:rPr>
+                        <a:t>🏃🏃</a:t>
+                      </a:r>
+                    </a:p>
+                  </a:txBody>
+                  <a:tcPr anchor="ctr"/>
+                </a:tc>
+                <a:extLst>
+                  <a:ext uri="{0D108BD9-81ED-4DB2-BD59-A6C34878D82A}">
+                    <a16:rowId xmlns:a16="http://schemas.microsoft.com/office/drawing/2014/main" val="1782466305"/>
+                  </a:ext>
+                </a:extLst>
+              </a:tr>
+              <a:tr h="370840">
+                <a:tc>
+                  <a:txBody>
+                    <a:bodyPr/>
+                    <a:lstStyle/>
+                    <a:p>
+                      <a:pPr lvl="1"/>
+                      <a:r>
+                        <a:rPr lang="en-US" sz="3600" b="0" dirty="0">
+                          <a:latin typeface="Lato" panose="020F0502020204030203" pitchFamily="34" charset="77"/>
+                        </a:rPr>
+                        <a:t>April 15</a:t>
+                      </a:r>
+                    </a:p>
+                  </a:txBody>
+                  <a:tcPr anchor="ctr"/>
+                </a:tc>
+                <a:tc>
+                  <a:txBody>
+                    <a:bodyPr/>
+                    <a:lstStyle/>
+                    <a:p>
+                      <a:pPr algn="ctr"/>
+                      <a:r>
+                        <a:rPr kumimoji="0" lang="en-US" sz="3600" b="0" i="0" u="none" strike="noStrike" kern="1200" cap="none" spc="0" normalizeH="0" baseline="0" noProof="0" dirty="0">
+                          <a:ln>
+                            <a:noFill/>
+                          </a:ln>
+                          <a:solidFill>
+                            <a:prstClr val="black"/>
+                          </a:solidFill>
+                          <a:effectLst/>
+                          <a:uLnTx/>
+                          <a:uFillTx/>
+                          <a:latin typeface="Lato" panose="020F0502020204030203" pitchFamily="34" charset="77"/>
+                          <a:ea typeface="+mn-ea"/>
+                          <a:cs typeface="+mn-cs"/>
+                        </a:rPr>
+                        <a:t>🟢</a:t>
+                      </a:r>
+                      <a:endParaRPr lang="en-US" sz="3600" dirty="0">
+                        <a:latin typeface="Lato" panose="020F0502020204030203" pitchFamily="34" charset="77"/>
+                      </a:endParaRPr>
+                    </a:p>
+                  </a:txBody>
+                  <a:tcPr anchor="ctr"/>
+                </a:tc>
+                <a:tc>
+                  <a:txBody>
+                    <a:bodyPr/>
+                    <a:lstStyle/>
+                    <a:p>
+                      <a:pPr algn="ctr"/>
+                      <a:r>
+                        <a:rPr lang="en-US" sz="3600" dirty="0">
+                          <a:latin typeface="Lato" panose="020F0502020204030203" pitchFamily="34" charset="77"/>
+                        </a:rPr>
+                        <a:t>🟢</a:t>
+                      </a:r>
+                    </a:p>
+                  </a:txBody>
+                  <a:tcPr anchor="ctr"/>
+                </a:tc>
+                <a:tc>
+                  <a:txBody>
+                    <a:bodyPr/>
+                    <a:lstStyle/>
+                    <a:p>
+                      <a:pPr algn="ctr"/>
+                      <a:r>
+                        <a:rPr lang="en-US" sz="3600" dirty="0">
+                          <a:latin typeface="Lato" panose="020F0502020204030203" pitchFamily="34" charset="77"/>
+                        </a:rPr>
+                        <a:t>🟢</a:t>
+                      </a:r>
+                    </a:p>
+                  </a:txBody>
+                  <a:tcPr anchor="ctr"/>
+                </a:tc>
+                <a:tc>
+                  <a:txBody>
+                    <a:bodyPr/>
+                    <a:lstStyle/>
+                    <a:p>
+                      <a:pPr marL="0" marR="0" lvl="0" indent="0" algn="ctr" defTabSz="914400" rtl="0" eaLnBrk="1" fontAlgn="auto" latinLnBrk="0" hangingPunct="1">
+                        <a:lnSpc>
+                          <a:spcPct val="100000"/>
+                        </a:lnSpc>
+                        <a:spcBef>
+                          <a:spcPts val="0"/>
+                        </a:spcBef>
+                        <a:spcAft>
+                          <a:spcPts val="0"/>
+                        </a:spcAft>
+                        <a:buClrTx/>
+                        <a:buSzTx/>
+                        <a:buFontTx/>
+                        <a:buNone/>
+                        <a:tabLst/>
+                        <a:defRPr/>
+                      </a:pPr>
+                      <a:r>
+                        <a:rPr lang="en-US" sz="3600" dirty="0">
+                          <a:latin typeface="Lato" panose="020F0502020204030203" pitchFamily="34" charset="77"/>
+                        </a:rPr>
+                        <a:t>🏃🟢</a:t>
+                      </a:r>
+                    </a:p>
+                  </a:txBody>
+                  <a:tcPr anchor="ctr"/>
+                </a:tc>
+                <a:extLst>
+                  <a:ext uri="{0D108BD9-81ED-4DB2-BD59-A6C34878D82A}">
+                    <a16:rowId xmlns:a16="http://schemas.microsoft.com/office/drawing/2014/main" val="715274055"/>
+                  </a:ext>
+                </a:extLst>
+              </a:tr>
+            </a:tbl>
+          </a:graphicData>
+        </a:graphic>
+      </p:graphicFrame>
+    </p:spTree>
+    <p:extLst>
+      <p:ext uri="{BB962C8B-B14F-4D97-AF65-F5344CB8AC3E}">
+        <p14:creationId xmlns:p14="http://schemas.microsoft.com/office/powerpoint/2010/main" val="1493520893"/>
       </p:ext>
     </p:extLst>
   </p:cSld>
